--- a/Automated Testing.pptx
+++ b/Automated Testing.pptx
@@ -1316,13 +1316,17 @@
           <a:p>
             <a:r>
               <a:rPr lang="en-GB" dirty="0" smtClean="0"/>
-              <a:t>Conside</a:t>
-            </a:r>
-            <a:r>
-              <a:rPr lang="en-GB" baseline="0" dirty="0" smtClean="0"/>
-              <a:t>r some of the best practice as described in ISTQB.</a:t>
-            </a:r>
-            <a:endParaRPr lang="en-GB" dirty="0"/>
+              <a:t>Left is reading cookies whereas the right is </a:t>
+            </a:r>
+            <a:r>
+              <a:rPr lang="en-GB" smtClean="0"/>
+              <a:t>writing</a:t>
+            </a:r>
+            <a:r>
+              <a:rPr lang="en-GB" baseline="0" smtClean="0"/>
+              <a:t> cookies.</a:t>
+            </a:r>
+            <a:endParaRPr lang="en-GB"/>
           </a:p>
         </p:txBody>
       </p:sp>
@@ -1353,7 +1357,7 @@
               <a:pPr>
                 <a:defRPr/>
               </a:pPr>
-              <a:t>114</a:t>
+              <a:t>109</a:t>
             </a:fld>
             <a:endParaRPr dirty="0"/>
           </a:p>
@@ -1362,7 +1366,7 @@
     </p:spTree>
     <p:extLst>
       <p:ext uri="{BB962C8B-B14F-4D97-AF65-F5344CB8AC3E}">
-        <p14:creationId xmlns:p14="http://schemas.microsoft.com/office/powerpoint/2010/main" val="3580803016"/>
+        <p14:creationId xmlns:p14="http://schemas.microsoft.com/office/powerpoint/2010/main" val="2834955809"/>
       </p:ext>
     </p:extLst>
   </p:cSld>
@@ -1399,7 +1403,12 @@
             <p:ph type="sldImg"/>
           </p:nvPr>
         </p:nvSpPr>
-        <p:spPr/>
+        <p:spPr>
+          <a:xfrm>
+            <a:off x="571500" y="581025"/>
+            <a:ext cx="5715000" cy="3216275"/>
+          </a:xfrm>
+        </p:spPr>
       </p:sp>
       <p:sp>
         <p:nvSpPr>
@@ -1418,13 +1427,11 @@
           <a:p>
             <a:r>
               <a:rPr lang="en-GB" dirty="0" smtClean="0"/>
-              <a:t>Ask what a user story looks like.</a:t>
-            </a:r>
-          </a:p>
-          <a:p>
-            <a:r>
-              <a:rPr lang="en-GB" dirty="0" smtClean="0"/>
-              <a:t>Ask why it is important/useful</a:t>
+              <a:t>Conside</a:t>
+            </a:r>
+            <a:r>
+              <a:rPr lang="en-GB" baseline="0" dirty="0" smtClean="0"/>
+              <a:t>r some of the best practice as described in ISTQB.</a:t>
             </a:r>
             <a:endParaRPr lang="en-GB" dirty="0"/>
           </a:p>
@@ -1457,7 +1464,7 @@
               <a:pPr>
                 <a:defRPr/>
               </a:pPr>
-              <a:t>124</a:t>
+              <a:t>114</a:t>
             </a:fld>
             <a:endParaRPr dirty="0"/>
           </a:p>
@@ -1466,7 +1473,7 @@
     </p:spTree>
     <p:extLst>
       <p:ext uri="{BB962C8B-B14F-4D97-AF65-F5344CB8AC3E}">
-        <p14:creationId xmlns:p14="http://schemas.microsoft.com/office/powerpoint/2010/main" val="2694334402"/>
+        <p14:creationId xmlns:p14="http://schemas.microsoft.com/office/powerpoint/2010/main" val="3580803016"/>
       </p:ext>
     </p:extLst>
   </p:cSld>
@@ -1503,7 +1510,12 @@
             <p:ph type="sldImg"/>
           </p:nvPr>
         </p:nvSpPr>
-        <p:spPr/>
+        <p:spPr>
+          <a:xfrm>
+            <a:off x="571500" y="581025"/>
+            <a:ext cx="5715000" cy="3216275"/>
+          </a:xfrm>
+        </p:spPr>
       </p:sp>
       <p:sp>
         <p:nvSpPr>
@@ -1522,7 +1534,13 @@
           <a:p>
             <a:r>
               <a:rPr lang="en-GB" dirty="0" smtClean="0"/>
-              <a:t>Ask what TDD looks like</a:t>
+              <a:t>Ask what a user story looks like.</a:t>
+            </a:r>
+          </a:p>
+          <a:p>
+            <a:r>
+              <a:rPr lang="en-GB" dirty="0" smtClean="0"/>
+              <a:t>Ask why it is important/useful</a:t>
             </a:r>
             <a:endParaRPr lang="en-GB" dirty="0"/>
           </a:p>
@@ -1555,7 +1573,7 @@
               <a:pPr>
                 <a:defRPr/>
               </a:pPr>
-              <a:t>125</a:t>
+              <a:t>124</a:t>
             </a:fld>
             <a:endParaRPr dirty="0"/>
           </a:p>
@@ -1564,7 +1582,7 @@
     </p:spTree>
     <p:extLst>
       <p:ext uri="{BB962C8B-B14F-4D97-AF65-F5344CB8AC3E}">
-        <p14:creationId xmlns:p14="http://schemas.microsoft.com/office/powerpoint/2010/main" val="3889650991"/>
+        <p14:creationId xmlns:p14="http://schemas.microsoft.com/office/powerpoint/2010/main" val="2694334402"/>
       </p:ext>
     </p:extLst>
   </p:cSld>
@@ -1601,7 +1619,12 @@
             <p:ph type="sldImg"/>
           </p:nvPr>
         </p:nvSpPr>
-        <p:spPr/>
+        <p:spPr>
+          <a:xfrm>
+            <a:off x="571500" y="581025"/>
+            <a:ext cx="5715000" cy="3216275"/>
+          </a:xfrm>
+        </p:spPr>
       </p:sp>
       <p:sp>
         <p:nvSpPr>
@@ -1618,6 +1641,10 @@
           <a:bodyPr/>
           <a:lstStyle/>
           <a:p>
+            <a:r>
+              <a:rPr lang="en-GB" dirty="0" smtClean="0"/>
+              <a:t>Ask what TDD looks like</a:t>
+            </a:r>
             <a:endParaRPr lang="en-GB" dirty="0"/>
           </a:p>
         </p:txBody>
@@ -1649,7 +1676,7 @@
               <a:pPr>
                 <a:defRPr/>
               </a:pPr>
-              <a:t>141</a:t>
+              <a:t>125</a:t>
             </a:fld>
             <a:endParaRPr dirty="0"/>
           </a:p>
@@ -1658,7 +1685,7 @@
     </p:spTree>
     <p:extLst>
       <p:ext uri="{BB962C8B-B14F-4D97-AF65-F5344CB8AC3E}">
-        <p14:creationId xmlns:p14="http://schemas.microsoft.com/office/powerpoint/2010/main" val="968407720"/>
+        <p14:creationId xmlns:p14="http://schemas.microsoft.com/office/powerpoint/2010/main" val="3889650991"/>
       </p:ext>
     </p:extLst>
   </p:cSld>
@@ -1748,6 +1775,105 @@
               <a:pPr>
                 <a:defRPr/>
               </a:pPr>
+              <a:t>141</a:t>
+            </a:fld>
+            <a:endParaRPr dirty="0"/>
+          </a:p>
+        </p:txBody>
+      </p:sp>
+    </p:spTree>
+    <p:extLst>
+      <p:ext uri="{BB962C8B-B14F-4D97-AF65-F5344CB8AC3E}">
+        <p14:creationId xmlns:p14="http://schemas.microsoft.com/office/powerpoint/2010/main" val="968407720"/>
+      </p:ext>
+    </p:extLst>
+  </p:cSld>
+  <p:clrMapOvr>
+    <a:masterClrMapping/>
+  </p:clrMapOvr>
+</p:notes>
+</file>
+
+<file path=ppt/notesSlides/notesSlide17.xml><?xml version="1.0" encoding="utf-8"?>
+<p:notes xmlns:a="http://schemas.openxmlformats.org/drawingml/2006/main" xmlns:r="http://schemas.openxmlformats.org/officeDocument/2006/relationships" xmlns:p="http://schemas.openxmlformats.org/presentationml/2006/main">
+  <p:cSld>
+    <p:spTree>
+      <p:nvGrpSpPr>
+        <p:cNvPr id="1" name=""/>
+        <p:cNvGrpSpPr/>
+        <p:nvPr/>
+      </p:nvGrpSpPr>
+      <p:grpSpPr>
+        <a:xfrm>
+          <a:off x="0" y="0"/>
+          <a:ext cx="0" cy="0"/>
+          <a:chOff x="0" y="0"/>
+          <a:chExt cx="0" cy="0"/>
+        </a:xfrm>
+      </p:grpSpPr>
+      <p:sp>
+        <p:nvSpPr>
+          <p:cNvPr id="2" name="Slide Image Placeholder 1"/>
+          <p:cNvSpPr>
+            <a:spLocks noGrp="1" noRot="1" noChangeAspect="1"/>
+          </p:cNvSpPr>
+          <p:nvPr>
+            <p:ph type="sldImg"/>
+          </p:nvPr>
+        </p:nvSpPr>
+        <p:spPr>
+          <a:xfrm>
+            <a:off x="571500" y="581025"/>
+            <a:ext cx="5715000" cy="3216275"/>
+          </a:xfrm>
+        </p:spPr>
+      </p:sp>
+      <p:sp>
+        <p:nvSpPr>
+          <p:cNvPr id="3" name="Notes Placeholder 2"/>
+          <p:cNvSpPr>
+            <a:spLocks noGrp="1"/>
+          </p:cNvSpPr>
+          <p:nvPr>
+            <p:ph type="body" idx="1"/>
+          </p:nvPr>
+        </p:nvSpPr>
+        <p:spPr/>
+        <p:txBody>
+          <a:bodyPr/>
+          <a:lstStyle/>
+          <a:p>
+            <a:endParaRPr lang="en-GB" dirty="0"/>
+          </a:p>
+        </p:txBody>
+      </p:sp>
+      <p:sp>
+        <p:nvSpPr>
+          <p:cNvPr id="4" name="Slide Number Placeholder 3"/>
+          <p:cNvSpPr>
+            <a:spLocks noGrp="1"/>
+          </p:cNvSpPr>
+          <p:nvPr>
+            <p:ph type="sldNum" sz="quarter" idx="10"/>
+          </p:nvPr>
+        </p:nvSpPr>
+        <p:spPr/>
+        <p:txBody>
+          <a:bodyPr/>
+          <a:lstStyle/>
+          <a:p>
+            <a:pPr>
+              <a:defRPr/>
+            </a:pPr>
+            <a:r>
+              <a:rPr lang="en-GB" smtClean="0"/>
+              <a:t>CONTINUED </a:t>
+            </a:r>
+            <a:fld id="{993982D2-741D-4BC6-8F8E-84F7C8891268}" type="slidenum">
+              <a:rPr smtClean="0"/>
+              <a:pPr>
+                <a:defRPr/>
+              </a:pPr>
               <a:t>142</a:t>
             </a:fld>
             <a:endParaRPr dirty="0"/>
@@ -1767,7 +1893,7 @@
 </p:notes>
 </file>
 
-<file path=ppt/notesSlides/notesSlide17.xml><?xml version="1.0" encoding="utf-8"?>
+<file path=ppt/notesSlides/notesSlide18.xml><?xml version="1.0" encoding="utf-8"?>
 <p:notes xmlns:a="http://schemas.openxmlformats.org/drawingml/2006/main" xmlns:r="http://schemas.openxmlformats.org/officeDocument/2006/relationships" xmlns:p="http://schemas.openxmlformats.org/presentationml/2006/main">
   <p:cSld>
     <p:spTree>
@@ -5936,7 +6062,7 @@
           <a:p>
             <a:fld id="{DFD09696-FDE0-4C0E-92D6-7BDF56203CD2}" type="datetimeFigureOut">
               <a:rPr lang="en-GB" smtClean="0"/>
-              <a:t>17/09/2018</a:t>
+              <a:t>30/01/2019</a:t>
             </a:fld>
             <a:endParaRPr lang="en-GB"/>
           </a:p>
@@ -30023,7 +30149,7 @@
           <a:graphicData uri="http://schemas.openxmlformats.org/presentationml/2006/ole">
             <mc:AlternateContent xmlns:mc="http://schemas.openxmlformats.org/markup-compatibility/2006">
               <mc:Choice xmlns:v="urn:schemas-microsoft-com:vml" Requires="v">
-                <p:oleObj spid="_x0000_s1056" name="Bitmap Image" r:id="rId4" imgW="1123920" imgH="752400" progId="Paint.Picture">
+                <p:oleObj spid="_x0000_s1057" name="Bitmap Image" r:id="rId4" imgW="1123920" imgH="752400" progId="Paint.Picture">
                   <p:embed/>
                 </p:oleObj>
               </mc:Choice>
